--- a/5thSem/Project/Bulk Email Aggregtor_22_10_2019.pptx
+++ b/5thSem/Project/Bulk Email Aggregtor_22_10_2019.pptx
@@ -1154,7 +1154,15 @@
         <a:p>
           <a:r>
             <a:rPr lang="en-US" dirty="0" smtClean="0"/>
-            <a:t>Creating Survey and Sending</a:t>
+            <a:t>Creating </a:t>
+          </a:r>
+          <a:r>
+            <a:rPr lang="en-US" dirty="0" smtClean="0"/>
+            <a:t>Feedback </a:t>
+          </a:r>
+          <a:r>
+            <a:rPr lang="en-US" dirty="0" smtClean="0"/>
+            <a:t>and Sending</a:t>
           </a:r>
           <a:endParaRPr lang="en-US" dirty="0"/>
         </a:p>
@@ -1191,7 +1199,11 @@
         <a:p>
           <a:r>
             <a:rPr lang="en-US" dirty="0" smtClean="0"/>
-            <a:t>Survey Collection </a:t>
+            <a:t>Feedback </a:t>
+          </a:r>
+          <a:r>
+            <a:rPr lang="en-US" dirty="0" smtClean="0"/>
+            <a:t>Collection </a:t>
           </a:r>
           <a:endParaRPr lang="en-US" dirty="0"/>
         </a:p>
@@ -1228,7 +1240,11 @@
         <a:p>
           <a:r>
             <a:rPr lang="en-US" dirty="0" smtClean="0"/>
-            <a:t>Visualization of Survey</a:t>
+            <a:t>Visualization of </a:t>
+          </a:r>
+          <a:r>
+            <a:rPr lang="en-US" dirty="0" smtClean="0"/>
+            <a:t>Feedback</a:t>
           </a:r>
           <a:endParaRPr lang="en-US" dirty="0"/>
         </a:p>
@@ -1648,12 +1664,12 @@
         <a:fontRef idx="minor"/>
       </dsp:style>
       <dsp:txBody>
-        <a:bodyPr spcFirstLastPara="0" vert="horz" wrap="square" lIns="106680" tIns="106680" rIns="106680" bIns="0" numCol="1" spcCol="1270" anchor="t" anchorCtr="0">
+        <a:bodyPr spcFirstLastPara="0" vert="horz" wrap="square" lIns="99568" tIns="99568" rIns="99568" bIns="0" numCol="1" spcCol="1270" anchor="t" anchorCtr="0">
           <a:noAutofit/>
         </a:bodyPr>
         <a:lstStyle/>
         <a:p>
-          <a:pPr lvl="0" algn="ctr" defTabSz="666750">
+          <a:pPr lvl="0" algn="ctr" defTabSz="622300">
             <a:lnSpc>
               <a:spcPct val="90000"/>
             </a:lnSpc>
@@ -1665,10 +1681,10 @@
             </a:spcAft>
           </a:pPr>
           <a:r>
-            <a:rPr lang="en-US" sz="1500" kern="1200" dirty="0" smtClean="0"/>
+            <a:rPr lang="en-US" sz="1400" kern="1200" dirty="0" smtClean="0"/>
             <a:t>Google Authentication</a:t>
           </a:r>
-          <a:endParaRPr lang="en-US" sz="1500" kern="1200" dirty="0"/>
+          <a:endParaRPr lang="en-US" sz="1400" kern="1200" dirty="0"/>
         </a:p>
       </dsp:txBody>
       <dsp:txXfrm>
@@ -1755,12 +1771,12 @@
         <a:fontRef idx="minor"/>
       </dsp:style>
       <dsp:txBody>
-        <a:bodyPr spcFirstLastPara="0" vert="horz" wrap="square" lIns="106680" tIns="106680" rIns="106680" bIns="0" numCol="1" spcCol="1270" anchor="t" anchorCtr="0">
+        <a:bodyPr spcFirstLastPara="0" vert="horz" wrap="square" lIns="99568" tIns="99568" rIns="99568" bIns="0" numCol="1" spcCol="1270" anchor="t" anchorCtr="0">
           <a:noAutofit/>
         </a:bodyPr>
         <a:lstStyle/>
         <a:p>
-          <a:pPr lvl="0" algn="ctr" defTabSz="666750">
+          <a:pPr lvl="0" algn="ctr" defTabSz="622300">
             <a:lnSpc>
               <a:spcPct val="90000"/>
             </a:lnSpc>
@@ -1772,10 +1788,10 @@
             </a:spcAft>
           </a:pPr>
           <a:r>
-            <a:rPr lang="en-US" sz="1500" kern="1200" dirty="0" smtClean="0"/>
+            <a:rPr lang="en-US" sz="1400" kern="1200" dirty="0" smtClean="0"/>
             <a:t>Credit Points</a:t>
           </a:r>
-          <a:endParaRPr lang="en-US" sz="1500" kern="1200" dirty="0"/>
+          <a:endParaRPr lang="en-US" sz="1400" kern="1200" dirty="0"/>
         </a:p>
       </dsp:txBody>
       <dsp:txXfrm>
@@ -1862,12 +1878,12 @@
         <a:fontRef idx="minor"/>
       </dsp:style>
       <dsp:txBody>
-        <a:bodyPr spcFirstLastPara="0" vert="horz" wrap="square" lIns="106680" tIns="106680" rIns="106680" bIns="0" numCol="1" spcCol="1270" anchor="t" anchorCtr="0">
+        <a:bodyPr spcFirstLastPara="0" vert="horz" wrap="square" lIns="99568" tIns="99568" rIns="99568" bIns="0" numCol="1" spcCol="1270" anchor="t" anchorCtr="0">
           <a:noAutofit/>
         </a:bodyPr>
         <a:lstStyle/>
         <a:p>
-          <a:pPr lvl="0" algn="ctr" defTabSz="666750">
+          <a:pPr lvl="0" algn="ctr" defTabSz="622300">
             <a:lnSpc>
               <a:spcPct val="90000"/>
             </a:lnSpc>
@@ -1879,10 +1895,10 @@
             </a:spcAft>
           </a:pPr>
           <a:r>
-            <a:rPr lang="en-US" sz="1500" kern="1200" dirty="0" smtClean="0"/>
+            <a:rPr lang="en-US" sz="1400" kern="1200" dirty="0" smtClean="0"/>
             <a:t>Payment Request/ Response</a:t>
           </a:r>
-          <a:endParaRPr lang="en-US" sz="1500" kern="1200" dirty="0"/>
+          <a:endParaRPr lang="en-US" sz="1400" kern="1200" dirty="0"/>
         </a:p>
       </dsp:txBody>
       <dsp:txXfrm>
@@ -1969,12 +1985,12 @@
         <a:fontRef idx="minor"/>
       </dsp:style>
       <dsp:txBody>
-        <a:bodyPr spcFirstLastPara="0" vert="horz" wrap="square" lIns="106680" tIns="106680" rIns="106680" bIns="0" numCol="1" spcCol="1270" anchor="t" anchorCtr="0">
+        <a:bodyPr spcFirstLastPara="0" vert="horz" wrap="square" lIns="99568" tIns="99568" rIns="99568" bIns="0" numCol="1" spcCol="1270" anchor="t" anchorCtr="0">
           <a:noAutofit/>
         </a:bodyPr>
         <a:lstStyle/>
         <a:p>
-          <a:pPr lvl="0" algn="ctr" defTabSz="666750">
+          <a:pPr lvl="0" algn="ctr" defTabSz="622300">
             <a:lnSpc>
               <a:spcPct val="90000"/>
             </a:lnSpc>
@@ -1986,10 +2002,18 @@
             </a:spcAft>
           </a:pPr>
           <a:r>
-            <a:rPr lang="en-US" sz="1500" kern="1200" dirty="0" smtClean="0"/>
-            <a:t>Creating Survey and Sending</a:t>
+            <a:rPr lang="en-US" sz="1400" kern="1200" dirty="0" smtClean="0"/>
+            <a:t>Creating </a:t>
           </a:r>
-          <a:endParaRPr lang="en-US" sz="1500" kern="1200" dirty="0"/>
+          <a:r>
+            <a:rPr lang="en-US" sz="1400" kern="1200" dirty="0" smtClean="0"/>
+            <a:t>Feedback </a:t>
+          </a:r>
+          <a:r>
+            <a:rPr lang="en-US" sz="1400" kern="1200" dirty="0" smtClean="0"/>
+            <a:t>and Sending</a:t>
+          </a:r>
+          <a:endParaRPr lang="en-US" sz="1400" kern="1200" dirty="0"/>
         </a:p>
       </dsp:txBody>
       <dsp:txXfrm>
@@ -2076,12 +2100,12 @@
         <a:fontRef idx="minor"/>
       </dsp:style>
       <dsp:txBody>
-        <a:bodyPr spcFirstLastPara="0" vert="horz" wrap="square" lIns="106680" tIns="106680" rIns="106680" bIns="0" numCol="1" spcCol="1270" anchor="t" anchorCtr="0">
+        <a:bodyPr spcFirstLastPara="0" vert="horz" wrap="square" lIns="99568" tIns="99568" rIns="99568" bIns="0" numCol="1" spcCol="1270" anchor="t" anchorCtr="0">
           <a:noAutofit/>
         </a:bodyPr>
         <a:lstStyle/>
         <a:p>
-          <a:pPr lvl="0" algn="ctr" defTabSz="666750">
+          <a:pPr lvl="0" algn="ctr" defTabSz="622300">
             <a:lnSpc>
               <a:spcPct val="90000"/>
             </a:lnSpc>
@@ -2093,10 +2117,14 @@
             </a:spcAft>
           </a:pPr>
           <a:r>
-            <a:rPr lang="en-US" sz="1500" kern="1200" dirty="0" smtClean="0"/>
-            <a:t>Survey Collection </a:t>
+            <a:rPr lang="en-US" sz="1400" kern="1200" dirty="0" smtClean="0"/>
+            <a:t>Feedback </a:t>
           </a:r>
-          <a:endParaRPr lang="en-US" sz="1500" kern="1200" dirty="0"/>
+          <a:r>
+            <a:rPr lang="en-US" sz="1400" kern="1200" dirty="0" smtClean="0"/>
+            <a:t>Collection </a:t>
+          </a:r>
+          <a:endParaRPr lang="en-US" sz="1400" kern="1200" dirty="0"/>
         </a:p>
       </dsp:txBody>
       <dsp:txXfrm>
@@ -2183,12 +2211,12 @@
         <a:fontRef idx="minor"/>
       </dsp:style>
       <dsp:txBody>
-        <a:bodyPr spcFirstLastPara="0" vert="horz" wrap="square" lIns="106680" tIns="106680" rIns="106680" bIns="0" numCol="1" spcCol="1270" anchor="t" anchorCtr="0">
+        <a:bodyPr spcFirstLastPara="0" vert="horz" wrap="square" lIns="99568" tIns="99568" rIns="99568" bIns="0" numCol="1" spcCol="1270" anchor="t" anchorCtr="0">
           <a:noAutofit/>
         </a:bodyPr>
         <a:lstStyle/>
         <a:p>
-          <a:pPr lvl="0" algn="ctr" defTabSz="666750">
+          <a:pPr lvl="0" algn="ctr" defTabSz="622300">
             <a:lnSpc>
               <a:spcPct val="90000"/>
             </a:lnSpc>
@@ -2200,10 +2228,14 @@
             </a:spcAft>
           </a:pPr>
           <a:r>
-            <a:rPr lang="en-US" sz="1500" kern="1200" dirty="0" smtClean="0"/>
-            <a:t>Visualization of Survey</a:t>
+            <a:rPr lang="en-US" sz="1400" kern="1200" dirty="0" smtClean="0"/>
+            <a:t>Visualization of </a:t>
           </a:r>
-          <a:endParaRPr lang="en-US" sz="1500" kern="1200" dirty="0"/>
+          <a:r>
+            <a:rPr lang="en-US" sz="1400" kern="1200" dirty="0" smtClean="0"/>
+            <a:t>Feedback</a:t>
+          </a:r>
+          <a:endParaRPr lang="en-US" sz="1400" kern="1200" dirty="0"/>
         </a:p>
       </dsp:txBody>
       <dsp:txXfrm>
@@ -3492,7 +3524,7 @@
           <a:p>
             <a:fld id="{410DC57A-FD5E-4472-B98B-0EB4FB522451}" type="datetimeFigureOut">
               <a:rPr lang="en-IN" smtClean="0"/>
-              <a:t>22-10-2019</a:t>
+              <a:t>17-11-2019</a:t>
             </a:fld>
             <a:endParaRPr lang="en-IN"/>
           </a:p>
@@ -4058,7 +4090,7 @@
             <a:fld id="{B61BEF0D-F0BB-DE4B-95CE-6DB70DBA9567}" type="datetimeFigureOut">
               <a:rPr lang="en-US" dirty="0"/>
               <a:pPr/>
-              <a:t>10/22/2019</a:t>
+              <a:t>11/17/2019</a:t>
             </a:fld>
             <a:endParaRPr lang="en-US" dirty="0"/>
           </a:p>
@@ -4393,7 +4425,7 @@
             <a:fld id="{B61BEF0D-F0BB-DE4B-95CE-6DB70DBA9567}" type="datetimeFigureOut">
               <a:rPr lang="en-US" dirty="0"/>
               <a:pPr/>
-              <a:t>10/22/2019</a:t>
+              <a:t>11/17/2019</a:t>
             </a:fld>
             <a:endParaRPr lang="en-US" dirty="0"/>
           </a:p>
@@ -4791,7 +4823,7 @@
             <a:fld id="{B61BEF0D-F0BB-DE4B-95CE-6DB70DBA9567}" type="datetimeFigureOut">
               <a:rPr lang="en-US" dirty="0"/>
               <a:pPr/>
-              <a:t>10/22/2019</a:t>
+              <a:t>11/17/2019</a:t>
             </a:fld>
             <a:endParaRPr lang="en-US" dirty="0"/>
           </a:p>
@@ -5124,7 +5156,7 @@
             <a:fld id="{B61BEF0D-F0BB-DE4B-95CE-6DB70DBA9567}" type="datetimeFigureOut">
               <a:rPr lang="en-US" dirty="0"/>
               <a:pPr/>
-              <a:t>10/22/2019</a:t>
+              <a:t>11/17/2019</a:t>
             </a:fld>
             <a:endParaRPr lang="en-US" dirty="0"/>
           </a:p>
@@ -5441,7 +5473,7 @@
             <a:fld id="{B61BEF0D-F0BB-DE4B-95CE-6DB70DBA9567}" type="datetimeFigureOut">
               <a:rPr lang="en-US" dirty="0"/>
               <a:pPr/>
-              <a:t>10/22/2019</a:t>
+              <a:t>11/17/2019</a:t>
             </a:fld>
             <a:endParaRPr lang="en-US" dirty="0"/>
           </a:p>
@@ -5834,7 +5866,7 @@
             <a:fld id="{B61BEF0D-F0BB-DE4B-95CE-6DB70DBA9567}" type="datetimeFigureOut">
               <a:rPr lang="en-US" dirty="0"/>
               <a:pPr/>
-              <a:t>10/22/2019</a:t>
+              <a:t>11/17/2019</a:t>
             </a:fld>
             <a:endParaRPr lang="en-US" dirty="0"/>
           </a:p>
@@ -6088,7 +6120,7 @@
             <a:fld id="{B61BEF0D-F0BB-DE4B-95CE-6DB70DBA9567}" type="datetimeFigureOut">
               <a:rPr lang="en-US" dirty="0"/>
               <a:pPr/>
-              <a:t>10/22/2019</a:t>
+              <a:t>11/17/2019</a:t>
             </a:fld>
             <a:endParaRPr lang="en-US" dirty="0"/>
           </a:p>
@@ -6347,7 +6379,7 @@
             <a:fld id="{B61BEF0D-F0BB-DE4B-95CE-6DB70DBA9567}" type="datetimeFigureOut">
               <a:rPr lang="en-US" dirty="0"/>
               <a:pPr/>
-              <a:t>10/22/2019</a:t>
+              <a:t>11/17/2019</a:t>
             </a:fld>
             <a:endParaRPr lang="en-US" dirty="0"/>
           </a:p>
@@ -6606,7 +6638,7 @@
             <a:fld id="{B61BEF0D-F0BB-DE4B-95CE-6DB70DBA9567}" type="datetimeFigureOut">
               <a:rPr lang="en-US" dirty="0"/>
               <a:pPr/>
-              <a:t>10/22/2019</a:t>
+              <a:t>11/17/2019</a:t>
             </a:fld>
             <a:endParaRPr lang="en-US" dirty="0"/>
           </a:p>
@@ -6932,7 +6964,7 @@
             <a:fld id="{B61BEF0D-F0BB-DE4B-95CE-6DB70DBA9567}" type="datetimeFigureOut">
               <a:rPr lang="en-US" dirty="0"/>
               <a:pPr/>
-              <a:t>10/22/2019</a:t>
+              <a:t>11/17/2019</a:t>
             </a:fld>
             <a:endParaRPr lang="en-US" dirty="0"/>
           </a:p>
@@ -7252,7 +7284,7 @@
             <a:fld id="{B61BEF0D-F0BB-DE4B-95CE-6DB70DBA9567}" type="datetimeFigureOut">
               <a:rPr lang="en-US" dirty="0"/>
               <a:pPr/>
-              <a:t>10/22/2019</a:t>
+              <a:t>11/17/2019</a:t>
             </a:fld>
             <a:endParaRPr lang="en-US" dirty="0"/>
           </a:p>
@@ -7706,7 +7738,7 @@
             <a:fld id="{B61BEF0D-F0BB-DE4B-95CE-6DB70DBA9567}" type="datetimeFigureOut">
               <a:rPr lang="en-US" dirty="0"/>
               <a:pPr/>
-              <a:t>10/22/2019</a:t>
+              <a:t>11/17/2019</a:t>
             </a:fld>
             <a:endParaRPr lang="en-US" dirty="0"/>
           </a:p>
@@ -7908,7 +7940,7 @@
             <a:fld id="{B61BEF0D-F0BB-DE4B-95CE-6DB70DBA9567}" type="datetimeFigureOut">
               <a:rPr lang="en-US" dirty="0"/>
               <a:pPr/>
-              <a:t>10/22/2019</a:t>
+              <a:t>11/17/2019</a:t>
             </a:fld>
             <a:endParaRPr lang="en-US" dirty="0"/>
           </a:p>
@@ -8082,7 +8114,7 @@
             <a:fld id="{B61BEF0D-F0BB-DE4B-95CE-6DB70DBA9567}" type="datetimeFigureOut">
               <a:rPr lang="en-US" dirty="0"/>
               <a:pPr/>
-              <a:t>10/22/2019</a:t>
+              <a:t>11/17/2019</a:t>
             </a:fld>
             <a:endParaRPr lang="en-US" dirty="0"/>
           </a:p>
@@ -8412,7 +8444,7 @@
             <a:fld id="{B61BEF0D-F0BB-DE4B-95CE-6DB70DBA9567}" type="datetimeFigureOut">
               <a:rPr lang="en-US" dirty="0"/>
               <a:pPr/>
-              <a:t>10/22/2019</a:t>
+              <a:t>11/17/2019</a:t>
             </a:fld>
             <a:endParaRPr lang="en-US" dirty="0"/>
           </a:p>
@@ -8754,7 +8786,7 @@
             <a:fld id="{B61BEF0D-F0BB-DE4B-95CE-6DB70DBA9567}" type="datetimeFigureOut">
               <a:rPr lang="en-US" dirty="0"/>
               <a:pPr/>
-              <a:t>10/22/2019</a:t>
+              <a:t>11/17/2019</a:t>
             </a:fld>
             <a:endParaRPr lang="en-US" dirty="0"/>
           </a:p>
@@ -10868,7 +10900,7 @@
             <a:fld id="{B61BEF0D-F0BB-DE4B-95CE-6DB70DBA9567}" type="datetimeFigureOut">
               <a:rPr lang="en-US" dirty="0"/>
               <a:pPr/>
-              <a:t>10/22/2019</a:t>
+              <a:t>11/17/2019</a:t>
             </a:fld>
             <a:endParaRPr lang="en-US" dirty="0"/>
           </a:p>
@@ -12077,8 +12109,16 @@
               <a:buNone/>
             </a:pPr>
             <a:r>
-              <a:rPr lang="en-IN" dirty="0"/>
-              <a:t>"survey":{</a:t>
+              <a:rPr lang="en-IN" dirty="0" smtClean="0"/>
+              <a:t>“</a:t>
+            </a:r>
+            <a:r>
+              <a:rPr lang="en-IN" dirty="0" smtClean="0"/>
+              <a:t>feedback</a:t>
+            </a:r>
+            <a:r>
+              <a:rPr lang="en-IN" dirty="0" smtClean="0"/>
+              <a:t>":{</a:t>
             </a:r>
             <a:endParaRPr dirty="0"/>
           </a:p>
@@ -12926,14 +12966,7 @@
                 <a:latin typeface="Times New Roman" panose="02020603050405020304" pitchFamily="18" charset="0"/>
                 <a:cs typeface="Times New Roman" panose="02020603050405020304" pitchFamily="18" charset="0"/>
               </a:rPr>
-              <a:t>own electronic product</a:t>
-            </a:r>
-            <a:r>
-              <a:rPr lang="en-IN" sz="2400" dirty="0" smtClean="0">
-                <a:latin typeface="Times New Roman" panose="02020603050405020304" pitchFamily="18" charset="0"/>
-                <a:cs typeface="Times New Roman" panose="02020603050405020304" pitchFamily="18" charset="0"/>
-              </a:rPr>
-              <a:t>.</a:t>
+              <a:t>own electronic product.</a:t>
             </a:r>
           </a:p>
           <a:p>
@@ -12991,19 +13024,8 @@
                 <a:latin typeface="Times New Roman" panose="02020603050405020304" pitchFamily="18" charset="0"/>
                 <a:cs typeface="Times New Roman" panose="02020603050405020304" pitchFamily="18" charset="0"/>
               </a:rPr>
-              <a:t>user</a:t>
-            </a:r>
-            <a:r>
-              <a:rPr lang="en-IN" sz="2400" dirty="0" smtClean="0">
-                <a:latin typeface="Times New Roman" panose="02020603050405020304" pitchFamily="18" charset="0"/>
-                <a:cs typeface="Times New Roman" panose="02020603050405020304" pitchFamily="18" charset="0"/>
-              </a:rPr>
-              <a:t>.</a:t>
-            </a:r>
-            <a:endParaRPr lang="en-IN" sz="2400" dirty="0" smtClean="0">
-              <a:latin typeface="Times New Roman" panose="02020603050405020304" pitchFamily="18" charset="0"/>
-              <a:cs typeface="Times New Roman" panose="02020603050405020304" pitchFamily="18" charset="0"/>
-            </a:endParaRPr>
+              <a:t>user.</a:t>
+            </a:r>
           </a:p>
         </p:txBody>
       </p:sp>
@@ -13117,7 +13139,21 @@
                 <a:latin typeface="Times New Roman" panose="02020603050405020304" pitchFamily="18" charset="0"/>
                 <a:cs typeface="Times New Roman" panose="02020603050405020304" pitchFamily="18" charset="0"/>
               </a:rPr>
-              <a:t>end mass emails to a big list of users for the purpose of collecting feedback.</a:t>
+              <a:t>end </a:t>
+            </a:r>
+            <a:r>
+              <a:rPr lang="en-IN" sz="2400" dirty="0" smtClean="0">
+                <a:latin typeface="Times New Roman" panose="02020603050405020304" pitchFamily="18" charset="0"/>
+                <a:cs typeface="Times New Roman" panose="02020603050405020304" pitchFamily="18" charset="0"/>
+              </a:rPr>
+              <a:t>bulk </a:t>
+            </a:r>
+            <a:r>
+              <a:rPr lang="en-IN" sz="2400" dirty="0" smtClean="0">
+                <a:latin typeface="Times New Roman" panose="02020603050405020304" pitchFamily="18" charset="0"/>
+                <a:cs typeface="Times New Roman" panose="02020603050405020304" pitchFamily="18" charset="0"/>
+              </a:rPr>
+              <a:t>emails to a big list of users for the purpose of collecting feedback.</a:t>
             </a:r>
           </a:p>
           <a:p>
@@ -13198,21 +13234,7 @@
                 <a:latin typeface="Times New Roman" panose="02020603050405020304" pitchFamily="18" charset="0"/>
                 <a:cs typeface="Times New Roman" panose="02020603050405020304" pitchFamily="18" charset="0"/>
               </a:rPr>
-              <a:t>We will also be enhancing the </a:t>
-            </a:r>
-            <a:r>
-              <a:rPr lang="en-IN" sz="2400" dirty="0" smtClean="0">
-                <a:latin typeface="Times New Roman" panose="02020603050405020304" pitchFamily="18" charset="0"/>
-                <a:cs typeface="Times New Roman" panose="02020603050405020304" pitchFamily="18" charset="0"/>
-              </a:rPr>
-              <a:t>authentication in </a:t>
-            </a:r>
-            <a:r>
-              <a:rPr lang="en-IN" sz="2400" dirty="0" smtClean="0">
-                <a:latin typeface="Times New Roman" panose="02020603050405020304" pitchFamily="18" charset="0"/>
-                <a:cs typeface="Times New Roman" panose="02020603050405020304" pitchFamily="18" charset="0"/>
-              </a:rPr>
-              <a:t>our app with the use of </a:t>
+              <a:t>We will also be enhancing the authentication in our app with the use of </a:t>
             </a:r>
             <a:r>
               <a:rPr lang="en-IN" sz="2400" b="1" dirty="0" smtClean="0">
@@ -13418,7 +13440,7 @@
         </p:nvSpPr>
         <p:spPr>
           <a:xfrm>
-            <a:off x="2647405" y="267056"/>
+            <a:off x="2647405" y="127719"/>
             <a:ext cx="6845526" cy="725719"/>
           </a:xfrm>
         </p:spPr>
@@ -13453,8 +13475,8 @@
         </p:nvSpPr>
         <p:spPr>
           <a:xfrm>
-            <a:off x="1612468" y="1541419"/>
-            <a:ext cx="8915400" cy="4537163"/>
+            <a:off x="1612468" y="1820091"/>
+            <a:ext cx="8915400" cy="3622768"/>
           </a:xfrm>
         </p:spPr>
         <p:txBody>
@@ -13468,28 +13490,28 @@
               <a:buAutoNum type="arabicPeriod"/>
             </a:pPr>
             <a:r>
-              <a:rPr lang="en-US" sz="2400" b="1" dirty="0">
+              <a:rPr lang="en-US" sz="2400" b="1" dirty="0" smtClean="0">
                 <a:latin typeface="Times New Roman" panose="02020603050405020304" pitchFamily="18" charset="0"/>
                 <a:ea typeface="Verdana" panose="020B0604030504040204" pitchFamily="34" charset="0"/>
                 <a:cs typeface="Times New Roman" panose="02020603050405020304" pitchFamily="18" charset="0"/>
               </a:rPr>
-              <a:t>Frontend </a:t>
-            </a:r>
-            <a:endParaRPr lang="en-IN" sz="2400" b="1" dirty="0">
-              <a:latin typeface="Times New Roman" panose="02020603050405020304" pitchFamily="18" charset="0"/>
-              <a:ea typeface="Verdana" panose="020B0604030504040204" pitchFamily="34" charset="0"/>
-              <a:cs typeface="Times New Roman" panose="02020603050405020304" pitchFamily="18" charset="0"/>
-            </a:endParaRPr>
-          </a:p>
-          <a:p>
-            <a:pPr lvl="1"/>
+              <a:t>Frontend: </a:t>
+            </a:r>
+            <a:r>
+              <a:rPr lang="en-US" sz="2400" dirty="0" smtClean="0">
+                <a:latin typeface="Times New Roman" panose="02020603050405020304" pitchFamily="18" charset="0"/>
+                <a:ea typeface="Verdana" panose="020B0604030504040204" pitchFamily="34" charset="0"/>
+                <a:cs typeface="Times New Roman" panose="02020603050405020304" pitchFamily="18" charset="0"/>
+              </a:rPr>
+              <a:t>React.js </a:t>
+            </a:r>
             <a:r>
               <a:rPr lang="en-US" sz="2400" dirty="0">
                 <a:latin typeface="Times New Roman" panose="02020603050405020304" pitchFamily="18" charset="0"/>
                 <a:ea typeface="Verdana" panose="020B0604030504040204" pitchFamily="34" charset="0"/>
                 <a:cs typeface="Times New Roman" panose="02020603050405020304" pitchFamily="18" charset="0"/>
               </a:rPr>
-              <a:t>React.js v16.x</a:t>
+              <a:t>v16.x</a:t>
             </a:r>
           </a:p>
           <a:p>
@@ -13498,18 +13520,15 @@
               <a:buAutoNum type="arabicPeriod"/>
             </a:pPr>
             <a:r>
-              <a:rPr lang="en-US" sz="2400" b="1" dirty="0">
+              <a:rPr lang="en-US" sz="2400" b="1" dirty="0" smtClean="0">
                 <a:latin typeface="Times New Roman" panose="02020603050405020304" pitchFamily="18" charset="0"/>
                 <a:ea typeface="Verdana" panose="020B0604030504040204" pitchFamily="34" charset="0"/>
                 <a:cs typeface="Times New Roman" panose="02020603050405020304" pitchFamily="18" charset="0"/>
               </a:rPr>
-              <a:t>Backend</a:t>
-            </a:r>
-          </a:p>
-          <a:p>
-            <a:pPr lvl="1"/>
-            <a:r>
-              <a:rPr lang="en-US" sz="2400" dirty="0">
+              <a:t>Backend: </a:t>
+            </a:r>
+            <a:r>
+              <a:rPr lang="en-US" sz="2400" dirty="0" smtClean="0">
                 <a:latin typeface="Times New Roman" panose="02020603050405020304" pitchFamily="18" charset="0"/>
                 <a:ea typeface="Verdana" panose="020B0604030504040204" pitchFamily="34" charset="0"/>
                 <a:cs typeface="Times New Roman" panose="02020603050405020304" pitchFamily="18" charset="0"/>
@@ -13541,18 +13560,31 @@
                 <a:ea typeface="Verdana" panose="020B0604030504040204" pitchFamily="34" charset="0"/>
                 <a:cs typeface="Times New Roman" panose="02020603050405020304" pitchFamily="18" charset="0"/>
               </a:rPr>
-              <a:t>Database (NoSQL)</a:t>
-            </a:r>
-          </a:p>
-          <a:p>
-            <a:pPr lvl="1"/>
+              <a:t>Database (</a:t>
+            </a:r>
+            <a:r>
+              <a:rPr lang="en-US" sz="2400" b="1" dirty="0" smtClean="0">
+                <a:latin typeface="Times New Roman" panose="02020603050405020304" pitchFamily="18" charset="0"/>
+                <a:ea typeface="Verdana" panose="020B0604030504040204" pitchFamily="34" charset="0"/>
+                <a:cs typeface="Times New Roman" panose="02020603050405020304" pitchFamily="18" charset="0"/>
+              </a:rPr>
+              <a:t>NoSQL): </a:t>
+            </a:r>
+            <a:r>
+              <a:rPr lang="en-US" sz="2400" dirty="0" smtClean="0">
+                <a:latin typeface="Times New Roman" panose="02020603050405020304" pitchFamily="18" charset="0"/>
+                <a:ea typeface="Verdana" panose="020B0604030504040204" pitchFamily="34" charset="0"/>
+                <a:cs typeface="Times New Roman" panose="02020603050405020304" pitchFamily="18" charset="0"/>
+              </a:rPr>
+              <a:t>MongoDB </a:t>
+            </a:r>
             <a:r>
               <a:rPr lang="en-US" sz="2400" dirty="0">
                 <a:latin typeface="Times New Roman" panose="02020603050405020304" pitchFamily="18" charset="0"/>
                 <a:ea typeface="Verdana" panose="020B0604030504040204" pitchFamily="34" charset="0"/>
                 <a:cs typeface="Times New Roman" panose="02020603050405020304" pitchFamily="18" charset="0"/>
               </a:rPr>
-              <a:t>MongoDB Atlas</a:t>
+              <a:t>Atlas</a:t>
             </a:r>
           </a:p>
           <a:p>
@@ -13566,18 +13598,15 @@
                 <a:ea typeface="Verdana" panose="020B0604030504040204" pitchFamily="34" charset="0"/>
                 <a:cs typeface="Times New Roman" panose="02020603050405020304" pitchFamily="18" charset="0"/>
               </a:rPr>
-              <a:t>Cloud Deployment</a:t>
-            </a:r>
-          </a:p>
-          <a:p>
-            <a:pPr lvl="1"/>
-            <a:r>
-              <a:rPr lang="en-US" sz="2400" dirty="0">
+              <a:t>Cloud </a:t>
+            </a:r>
+            <a:r>
+              <a:rPr lang="en-US" sz="2400" b="1" dirty="0" smtClean="0">
                 <a:latin typeface="Times New Roman" panose="02020603050405020304" pitchFamily="18" charset="0"/>
                 <a:ea typeface="Verdana" panose="020B0604030504040204" pitchFamily="34" charset="0"/>
                 <a:cs typeface="Times New Roman" panose="02020603050405020304" pitchFamily="18" charset="0"/>
               </a:rPr>
-              <a:t>Heroku </a:t>
+              <a:t>Deployment: </a:t>
             </a:r>
             <a:r>
               <a:rPr lang="en-US" sz="2400" dirty="0" smtClean="0">
@@ -13585,8 +13614,71 @@
                 <a:ea typeface="Verdana" panose="020B0604030504040204" pitchFamily="34" charset="0"/>
                 <a:cs typeface="Times New Roman" panose="02020603050405020304" pitchFamily="18" charset="0"/>
               </a:rPr>
-              <a:t>Deployment</a:t>
-            </a:r>
+              <a:t>Heroku Deployment</a:t>
+            </a:r>
+          </a:p>
+          <a:p>
+            <a:pPr marL="457200" indent="-457200">
+              <a:buFont typeface="+mj-lt"/>
+              <a:buAutoNum type="arabicPeriod"/>
+            </a:pPr>
+            <a:r>
+              <a:rPr lang="en-US" sz="2400" b="1" dirty="0" smtClean="0">
+                <a:latin typeface="Times New Roman" panose="02020603050405020304" pitchFamily="18" charset="0"/>
+                <a:ea typeface="Verdana" panose="020B0604030504040204" pitchFamily="34" charset="0"/>
+                <a:cs typeface="Times New Roman" panose="02020603050405020304" pitchFamily="18" charset="0"/>
+              </a:rPr>
+              <a:t>Authentication API: </a:t>
+            </a:r>
+            <a:r>
+              <a:rPr lang="en-US" sz="2400" dirty="0" smtClean="0">
+                <a:latin typeface="Times New Roman" panose="02020603050405020304" pitchFamily="18" charset="0"/>
+                <a:ea typeface="Verdana" panose="020B0604030504040204" pitchFamily="34" charset="0"/>
+                <a:cs typeface="Times New Roman" panose="02020603050405020304" pitchFamily="18" charset="0"/>
+              </a:rPr>
+              <a:t>Google OAuth</a:t>
+            </a:r>
+          </a:p>
+          <a:p>
+            <a:pPr marL="457200" indent="-457200">
+              <a:buFont typeface="+mj-lt"/>
+              <a:buAutoNum type="arabicPeriod"/>
+            </a:pPr>
+            <a:r>
+              <a:rPr lang="en-US" sz="2400" b="1" dirty="0" smtClean="0">
+                <a:latin typeface="Times New Roman" panose="02020603050405020304" pitchFamily="18" charset="0"/>
+                <a:ea typeface="Verdana" panose="020B0604030504040204" pitchFamily="34" charset="0"/>
+                <a:cs typeface="Times New Roman" panose="02020603050405020304" pitchFamily="18" charset="0"/>
+              </a:rPr>
+              <a:t>Payment Gateway API: </a:t>
+            </a:r>
+            <a:r>
+              <a:rPr lang="en-US" sz="2400" dirty="0" smtClean="0">
+                <a:latin typeface="Times New Roman" panose="02020603050405020304" pitchFamily="18" charset="0"/>
+                <a:ea typeface="Verdana" panose="020B0604030504040204" pitchFamily="34" charset="0"/>
+                <a:cs typeface="Times New Roman" panose="02020603050405020304" pitchFamily="18" charset="0"/>
+              </a:rPr>
+              <a:t>Stripe</a:t>
+            </a:r>
+          </a:p>
+          <a:p>
+            <a:pPr marL="457200" indent="-457200">
+              <a:buFont typeface="+mj-lt"/>
+              <a:buAutoNum type="arabicPeriod"/>
+            </a:pPr>
+            <a:r>
+              <a:rPr lang="en-US" sz="2400" b="1" dirty="0" smtClean="0">
+                <a:latin typeface="Times New Roman" panose="02020603050405020304" pitchFamily="18" charset="0"/>
+                <a:ea typeface="Verdana" panose="020B0604030504040204" pitchFamily="34" charset="0"/>
+                <a:cs typeface="Times New Roman" panose="02020603050405020304" pitchFamily="18" charset="0"/>
+              </a:rPr>
+              <a:t>Other Technologies used: Twilio SendGrid, Git and GitHub</a:t>
+            </a:r>
+            <a:endParaRPr lang="en-US" sz="2400" dirty="0" smtClean="0">
+              <a:latin typeface="Times New Roman" panose="02020603050405020304" pitchFamily="18" charset="0"/>
+              <a:ea typeface="Verdana" panose="020B0604030504040204" pitchFamily="34" charset="0"/>
+              <a:cs typeface="Times New Roman" panose="02020603050405020304" pitchFamily="18" charset="0"/>
+            </a:endParaRPr>
           </a:p>
           <a:p>
             <a:pPr lvl="1"/>
@@ -14233,8 +14325,12 @@
                 <a:latin typeface="Times New Roman" panose="02020603050405020304" pitchFamily="18" charset="0"/>
                 <a:cs typeface="Times New Roman" panose="02020603050405020304" pitchFamily="18" charset="0"/>
               </a:rPr>
-              <a:t>Simplicity</a:t>
-            </a:r>
+              <a:t>Supportability</a:t>
+            </a:r>
+            <a:endParaRPr lang="en-IN" sz="2400" dirty="0" smtClean="0">
+              <a:latin typeface="Times New Roman" panose="02020603050405020304" pitchFamily="18" charset="0"/>
+              <a:cs typeface="Times New Roman" panose="02020603050405020304" pitchFamily="18" charset="0"/>
+            </a:endParaRPr>
           </a:p>
           <a:p>
             <a:endParaRPr lang="en-IN" sz="2400" dirty="0">
@@ -14323,7 +14419,7 @@
           <p:nvPr>
             <p:extLst>
               <p:ext uri="{D42A27DB-BD31-4B8C-83A1-F6EECF244321}">
-                <p14:modId xmlns:p14="http://schemas.microsoft.com/office/powerpoint/2010/main" val="3841266787"/>
+                <p14:modId xmlns:p14="http://schemas.microsoft.com/office/powerpoint/2010/main" val="839762810"/>
               </p:ext>
             </p:extLst>
           </p:nvPr>
